--- a/static/BingoBongo-FroehlichFehlerFinden.pptx
+++ b/static/BingoBongo-FroehlichFehlerFinden.pptx
@@ -118,6 +118,11 @@
       </a:defRPr>
     </a:lvl9pPr>
   </p:defaultTextStyle>
+  <p:extLst>
+    <p:ext uri="{EFAFB233-063F-42B5-8137-9DF3F51BA10A}">
+      <p15:sldGuideLst xmlns:p15="http://schemas.microsoft.com/office/powerpoint/2012/main"/>
+    </p:ext>
+  </p:extLst>
 </p:presentation>
 </file>
 
@@ -252,7 +257,7 @@
           <a:p>
             <a:fld id="{EC7A1891-9ADE-4AD1-A8E5-D2E92D6C0755}" type="datetimeFigureOut">
               <a:rPr lang="en-US" smtClean="0"/>
-              <a:t>3/7/2021</a:t>
+              <a:t>3/11/2021</a:t>
             </a:fld>
             <a:endParaRPr lang="en-US"/>
           </a:p>
@@ -422,7 +427,7 @@
           <a:p>
             <a:fld id="{EC7A1891-9ADE-4AD1-A8E5-D2E92D6C0755}" type="datetimeFigureOut">
               <a:rPr lang="en-US" smtClean="0"/>
-              <a:t>3/7/2021</a:t>
+              <a:t>3/11/2021</a:t>
             </a:fld>
             <a:endParaRPr lang="en-US"/>
           </a:p>
@@ -602,7 +607,7 @@
           <a:p>
             <a:fld id="{EC7A1891-9ADE-4AD1-A8E5-D2E92D6C0755}" type="datetimeFigureOut">
               <a:rPr lang="en-US" smtClean="0"/>
-              <a:t>3/7/2021</a:t>
+              <a:t>3/11/2021</a:t>
             </a:fld>
             <a:endParaRPr lang="en-US"/>
           </a:p>
@@ -859,7 +864,7 @@
                 <a:tabLst/>
                 <a:defRPr/>
               </a:pPr>
-              <a:t>07.03.2021</a:t>
+              <a:t>11.03.2021</a:t>
             </a:fld>
             <a:endParaRPr kumimoji="0" lang="de-DE" sz="1200" b="0" i="0" u="none" strike="noStrike" kern="1200" cap="none" spc="0" normalizeH="0" baseline="0" noProof="0">
               <a:ln>
@@ -1217,7 +1222,7 @@
                 <a:tabLst/>
                 <a:defRPr/>
               </a:pPr>
-              <a:t>07.03.2021</a:t>
+              <a:t>11.03.2021</a:t>
             </a:fld>
             <a:endParaRPr kumimoji="0" lang="de-DE" sz="1200" b="0" i="0" u="none" strike="noStrike" kern="1200" cap="none" spc="0" normalizeH="0" baseline="0" noProof="0">
               <a:ln>
@@ -1652,7 +1657,7 @@
                 <a:tabLst/>
                 <a:defRPr/>
               </a:pPr>
-              <a:t>07.03.2021</a:t>
+              <a:t>11.03.2021</a:t>
             </a:fld>
             <a:endParaRPr kumimoji="0" lang="de-DE" sz="1200" b="0" i="0" u="none" strike="noStrike" kern="1200" cap="none" spc="0" normalizeH="0" baseline="0" noProof="0">
               <a:ln>
@@ -2077,7 +2082,7 @@
                 <a:tabLst/>
                 <a:defRPr/>
               </a:pPr>
-              <a:t>07.03.2021</a:t>
+              <a:t>11.03.2021</a:t>
             </a:fld>
             <a:endParaRPr kumimoji="0" lang="de-DE" sz="1200" b="0" i="0" u="none" strike="noStrike" kern="1200" cap="none" spc="0" normalizeH="0" baseline="0" noProof="0">
               <a:ln>
@@ -2649,7 +2654,7 @@
                 <a:tabLst/>
                 <a:defRPr/>
               </a:pPr>
-              <a:t>07.03.2021</a:t>
+              <a:t>11.03.2021</a:t>
             </a:fld>
             <a:endParaRPr kumimoji="0" lang="de-DE" sz="1200" b="0" i="0" u="none" strike="noStrike" kern="1200" cap="none" spc="0" normalizeH="0" baseline="0" noProof="0">
               <a:ln>
@@ -2950,7 +2955,7 @@
                 <a:tabLst/>
                 <a:defRPr/>
               </a:pPr>
-              <a:t>07.03.2021</a:t>
+              <a:t>11.03.2021</a:t>
             </a:fld>
             <a:endParaRPr kumimoji="0" lang="de-DE" sz="1200" b="0" i="0" u="none" strike="noStrike" kern="1200" cap="none" spc="0" normalizeH="0" baseline="0" noProof="0">
               <a:ln>
@@ -3223,7 +3228,7 @@
                 <a:tabLst/>
                 <a:defRPr/>
               </a:pPr>
-              <a:t>07.03.2021</a:t>
+              <a:t>11.03.2021</a:t>
             </a:fld>
             <a:endParaRPr kumimoji="0" lang="de-DE" sz="1200" b="0" i="0" u="none" strike="noStrike" kern="1200" cap="none" spc="0" normalizeH="0" baseline="0" noProof="0">
               <a:ln>
@@ -3694,7 +3699,7 @@
                 <a:tabLst/>
                 <a:defRPr/>
               </a:pPr>
-              <a:t>07.03.2021</a:t>
+              <a:t>11.03.2021</a:t>
             </a:fld>
             <a:endParaRPr kumimoji="0" lang="de-DE" sz="1200" b="0" i="0" u="none" strike="noStrike" kern="1200" cap="none" spc="0" normalizeH="0" baseline="0" noProof="0">
               <a:ln>
@@ -3987,7 +3992,7 @@
           <a:p>
             <a:fld id="{EC7A1891-9ADE-4AD1-A8E5-D2E92D6C0755}" type="datetimeFigureOut">
               <a:rPr lang="en-US" smtClean="0"/>
-              <a:t>3/7/2021</a:t>
+              <a:t>3/11/2021</a:t>
             </a:fld>
             <a:endParaRPr lang="en-US"/>
           </a:p>
@@ -4312,7 +4317,7 @@
                 <a:tabLst/>
                 <a:defRPr/>
               </a:pPr>
-              <a:t>07.03.2021</a:t>
+              <a:t>11.03.2021</a:t>
             </a:fld>
             <a:endParaRPr kumimoji="0" lang="de-DE" sz="1200" b="0" i="0" u="none" strike="noStrike" kern="1200" cap="none" spc="0" normalizeH="0" baseline="0" noProof="0">
               <a:ln>
@@ -4670,7 +4675,7 @@
                 <a:tabLst/>
                 <a:defRPr/>
               </a:pPr>
-              <a:t>07.03.2021</a:t>
+              <a:t>11.03.2021</a:t>
             </a:fld>
             <a:endParaRPr kumimoji="0" lang="de-DE" sz="1200" b="0" i="0" u="none" strike="noStrike" kern="1200" cap="none" spc="0" normalizeH="0" baseline="0" noProof="0">
               <a:ln>
@@ -5038,7 +5043,7 @@
                 <a:tabLst/>
                 <a:defRPr/>
               </a:pPr>
-              <a:t>07.03.2021</a:t>
+              <a:t>11.03.2021</a:t>
             </a:fld>
             <a:endParaRPr kumimoji="0" lang="de-DE" sz="1200" b="0" i="0" u="none" strike="noStrike" kern="1200" cap="none" spc="0" normalizeH="0" baseline="0" noProof="0">
               <a:ln>
@@ -5407,7 +5412,7 @@
           <a:p>
             <a:fld id="{EC7A1891-9ADE-4AD1-A8E5-D2E92D6C0755}" type="datetimeFigureOut">
               <a:rPr lang="en-US" smtClean="0"/>
-              <a:t>3/7/2021</a:t>
+              <a:t>3/11/2021</a:t>
             </a:fld>
             <a:endParaRPr lang="en-US"/>
           </a:p>
@@ -5639,7 +5644,7 @@
           <a:p>
             <a:fld id="{EC7A1891-9ADE-4AD1-A8E5-D2E92D6C0755}" type="datetimeFigureOut">
               <a:rPr lang="en-US" smtClean="0"/>
-              <a:t>3/7/2021</a:t>
+              <a:t>3/11/2021</a:t>
             </a:fld>
             <a:endParaRPr lang="en-US"/>
           </a:p>
@@ -6006,7 +6011,7 @@
           <a:p>
             <a:fld id="{EC7A1891-9ADE-4AD1-A8E5-D2E92D6C0755}" type="datetimeFigureOut">
               <a:rPr lang="en-US" smtClean="0"/>
-              <a:t>3/7/2021</a:t>
+              <a:t>3/11/2021</a:t>
             </a:fld>
             <a:endParaRPr lang="en-US"/>
           </a:p>
@@ -6124,7 +6129,7 @@
           <a:p>
             <a:fld id="{EC7A1891-9ADE-4AD1-A8E5-D2E92D6C0755}" type="datetimeFigureOut">
               <a:rPr lang="en-US" smtClean="0"/>
-              <a:t>3/7/2021</a:t>
+              <a:t>3/11/2021</a:t>
             </a:fld>
             <a:endParaRPr lang="en-US"/>
           </a:p>
@@ -6219,7 +6224,7 @@
           <a:p>
             <a:fld id="{EC7A1891-9ADE-4AD1-A8E5-D2E92D6C0755}" type="datetimeFigureOut">
               <a:rPr lang="en-US" smtClean="0"/>
-              <a:t>3/7/2021</a:t>
+              <a:t>3/11/2021</a:t>
             </a:fld>
             <a:endParaRPr lang="en-US"/>
           </a:p>
@@ -6496,7 +6501,7 @@
           <a:p>
             <a:fld id="{EC7A1891-9ADE-4AD1-A8E5-D2E92D6C0755}" type="datetimeFigureOut">
               <a:rPr lang="en-US" smtClean="0"/>
-              <a:t>3/7/2021</a:t>
+              <a:t>3/11/2021</a:t>
             </a:fld>
             <a:endParaRPr lang="en-US"/>
           </a:p>
@@ -6749,7 +6754,7 @@
           <a:p>
             <a:fld id="{EC7A1891-9ADE-4AD1-A8E5-D2E92D6C0755}" type="datetimeFigureOut">
               <a:rPr lang="en-US" smtClean="0"/>
-              <a:t>3/7/2021</a:t>
+              <a:t>3/11/2021</a:t>
             </a:fld>
             <a:endParaRPr lang="en-US"/>
           </a:p>
@@ -6962,7 +6967,7 @@
           <a:p>
             <a:fld id="{EC7A1891-9ADE-4AD1-A8E5-D2E92D6C0755}" type="datetimeFigureOut">
               <a:rPr lang="en-US" smtClean="0"/>
-              <a:t>3/7/2021</a:t>
+              <a:t>3/11/2021</a:t>
             </a:fld>
             <a:endParaRPr lang="en-US"/>
           </a:p>
@@ -7567,7 +7572,7 @@
                 <a:tabLst/>
                 <a:defRPr/>
               </a:pPr>
-              <a:t>07.03.2021</a:t>
+              <a:t>11.03.2021</a:t>
             </a:fld>
             <a:endParaRPr kumimoji="0" lang="de-DE" sz="1200" b="0" i="0" u="none" strike="noStrike" kern="1200" cap="none" spc="0" normalizeH="0" baseline="0" noProof="0">
               <a:ln>
@@ -8581,34 +8586,22 @@
       </p:sp>
       <p:pic>
         <p:nvPicPr>
-          <p:cNvPr id="5" name="Grafik 4">
-            <a:extLst>
-              <a:ext uri="{FF2B5EF4-FFF2-40B4-BE49-F238E27FC236}">
-                <a16:creationId xmlns:a16="http://schemas.microsoft.com/office/drawing/2014/main" id="{57E81771-EF59-4178-A5A0-E2A93AF4CAE1}"/>
-              </a:ext>
-            </a:extLst>
-          </p:cNvPr>
+          <p:cNvPr id="6" name="Grafik 5"/>
           <p:cNvPicPr>
             <a:picLocks noChangeAspect="1"/>
           </p:cNvPicPr>
           <p:nvPr/>
         </p:nvPicPr>
         <p:blipFill>
-          <a:blip r:embed="rId2">
-            <a:extLst>
-              <a:ext uri="{28A0092B-C50C-407E-A947-70E740481C1C}">
-                <a14:useLocalDpi xmlns:a14="http://schemas.microsoft.com/office/drawing/2010/main" val="0"/>
-              </a:ext>
-            </a:extLst>
-          </a:blip>
+          <a:blip r:embed="rId2"/>
           <a:stretch>
             <a:fillRect/>
           </a:stretch>
         </p:blipFill>
         <p:spPr>
           <a:xfrm>
-            <a:off x="8496300" y="4544408"/>
-            <a:ext cx="3600450" cy="2218342"/>
+            <a:off x="10393611" y="5236502"/>
+            <a:ext cx="1728144" cy="1538099"/>
           </a:xfrm>
           <a:prstGeom prst="rect">
             <a:avLst/>
@@ -8784,34 +8777,22 @@
       </p:sp>
       <p:pic>
         <p:nvPicPr>
-          <p:cNvPr id="5" name="Grafik 4">
-            <a:extLst>
-              <a:ext uri="{FF2B5EF4-FFF2-40B4-BE49-F238E27FC236}">
-                <a16:creationId xmlns:a16="http://schemas.microsoft.com/office/drawing/2014/main" id="{57E81771-EF59-4178-A5A0-E2A93AF4CAE1}"/>
-              </a:ext>
-            </a:extLst>
-          </p:cNvPr>
+          <p:cNvPr id="6" name="Grafik 5"/>
           <p:cNvPicPr>
             <a:picLocks noChangeAspect="1"/>
           </p:cNvPicPr>
           <p:nvPr/>
         </p:nvPicPr>
         <p:blipFill>
-          <a:blip r:embed="rId2">
-            <a:extLst>
-              <a:ext uri="{28A0092B-C50C-407E-A947-70E740481C1C}">
-                <a14:useLocalDpi xmlns:a14="http://schemas.microsoft.com/office/drawing/2010/main" val="0"/>
-              </a:ext>
-            </a:extLst>
-          </a:blip>
+          <a:blip r:embed="rId2"/>
           <a:stretch>
             <a:fillRect/>
           </a:stretch>
         </p:blipFill>
         <p:spPr>
           <a:xfrm>
-            <a:off x="8496300" y="4544408"/>
-            <a:ext cx="3600450" cy="2218342"/>
+            <a:off x="10393611" y="5236502"/>
+            <a:ext cx="1728144" cy="1538099"/>
           </a:xfrm>
           <a:prstGeom prst="rect">
             <a:avLst/>
@@ -8891,12 +8872,66 @@
           </a:p>
         </p:txBody>
       </p:sp>
+      <p:sp>
+        <p:nvSpPr>
+          <p:cNvPr id="7" name="Inhaltsplatzhalter 5">
+            <a:extLst>
+              <a:ext uri="{FF2B5EF4-FFF2-40B4-BE49-F238E27FC236}">
+                <a16:creationId xmlns:a16="http://schemas.microsoft.com/office/drawing/2014/main" id="{6ADACE48-48BE-4507-B5A0-8C418790FAF2}"/>
+              </a:ext>
+            </a:extLst>
+          </p:cNvPr>
+          <p:cNvSpPr>
+            <a:spLocks noGrp="1"/>
+          </p:cNvSpPr>
+          <p:nvPr>
+            <p:ph idx="1"/>
+          </p:nvPr>
+        </p:nvSpPr>
+        <p:spPr>
+          <a:xfrm>
+            <a:off x="838200" y="1825625"/>
+            <a:ext cx="10515600" cy="4351338"/>
+          </a:xfrm>
+        </p:spPr>
+        <p:txBody>
+          <a:bodyPr/>
+          <a:lstStyle/>
+          <a:p>
+            <a:r>
+              <a:rPr lang="de-DE" dirty="0"/>
+              <a:t>Siehe </a:t>
+            </a:r>
+            <a:r>
+              <a:rPr lang="de-DE" dirty="0" err="1"/>
+              <a:t>Spec</a:t>
+            </a:r>
+            <a:r>
+              <a:rPr lang="de-DE" dirty="0"/>
+              <a:t/>
+            </a:r>
+            <a:br>
+              <a:rPr lang="de-DE" dirty="0"/>
+            </a:br>
+            <a:r>
+              <a:rPr lang="de-DE" dirty="0"/>
+              <a:t>unter…</a:t>
+            </a:r>
+          </a:p>
+          <a:p>
+            <a:r>
+              <a:rPr lang="de-DE" dirty="0"/>
+              <a:t>Demo</a:t>
+            </a:r>
+          </a:p>
+        </p:txBody>
+      </p:sp>
       <p:pic>
         <p:nvPicPr>
-          <p:cNvPr id="5" name="Grafik 4">
+          <p:cNvPr id="6" name="Grafik 5">
             <a:extLst>
               <a:ext uri="{FF2B5EF4-FFF2-40B4-BE49-F238E27FC236}">
-                <a16:creationId xmlns:a16="http://schemas.microsoft.com/office/drawing/2014/main" id="{57E81771-EF59-4178-A5A0-E2A93AF4CAE1}"/>
+                <a16:creationId xmlns:a16="http://schemas.microsoft.com/office/drawing/2014/main" id="{0FE04A65-4434-40A8-9B8B-E2F84E9CA136}"/>
               </a:ext>
             </a:extLst>
           </p:cNvPr>
@@ -8919,98 +8954,32 @@
         </p:blipFill>
         <p:spPr>
           <a:xfrm>
-            <a:off x="8496300" y="4544408"/>
-            <a:ext cx="3600450" cy="2218342"/>
+            <a:off x="3280549" y="1690687"/>
+            <a:ext cx="5215751" cy="4486275"/>
           </a:xfrm>
           <a:prstGeom prst="rect">
             <a:avLst/>
           </a:prstGeom>
         </p:spPr>
       </p:pic>
-      <p:sp>
-        <p:nvSpPr>
-          <p:cNvPr id="7" name="Inhaltsplatzhalter 5">
-            <a:extLst>
-              <a:ext uri="{FF2B5EF4-FFF2-40B4-BE49-F238E27FC236}">
-                <a16:creationId xmlns:a16="http://schemas.microsoft.com/office/drawing/2014/main" id="{6ADACE48-48BE-4507-B5A0-8C418790FAF2}"/>
-              </a:ext>
-            </a:extLst>
-          </p:cNvPr>
-          <p:cNvSpPr>
-            <a:spLocks noGrp="1"/>
-          </p:cNvSpPr>
-          <p:nvPr>
-            <p:ph idx="1"/>
-          </p:nvPr>
-        </p:nvSpPr>
-        <p:spPr>
-          <a:xfrm>
-            <a:off x="838200" y="1825625"/>
-            <a:ext cx="10515600" cy="4351338"/>
-          </a:xfrm>
-        </p:spPr>
-        <p:txBody>
-          <a:bodyPr/>
-          <a:lstStyle/>
-          <a:p>
-            <a:r>
-              <a:rPr lang="de-DE" dirty="0"/>
-              <a:t>Siehe </a:t>
-            </a:r>
-            <a:r>
-              <a:rPr lang="de-DE" dirty="0" err="1"/>
-              <a:t>Spec</a:t>
-            </a:r>
-            <a:r>
-              <a:rPr lang="de-DE" dirty="0"/>
-              <a:t/>
-            </a:r>
-            <a:br>
-              <a:rPr lang="de-DE" dirty="0"/>
-            </a:br>
-            <a:r>
-              <a:rPr lang="de-DE" dirty="0"/>
-              <a:t>unter…</a:t>
-            </a:r>
-          </a:p>
-          <a:p>
-            <a:r>
-              <a:rPr lang="de-DE" dirty="0"/>
-              <a:t>Demo</a:t>
-            </a:r>
-          </a:p>
-        </p:txBody>
-      </p:sp>
       <p:pic>
         <p:nvPicPr>
-          <p:cNvPr id="6" name="Grafik 5">
-            <a:extLst>
-              <a:ext uri="{FF2B5EF4-FFF2-40B4-BE49-F238E27FC236}">
-                <a16:creationId xmlns:a16="http://schemas.microsoft.com/office/drawing/2014/main" id="{0FE04A65-4434-40A8-9B8B-E2F84E9CA136}"/>
-              </a:ext>
-            </a:extLst>
-          </p:cNvPr>
+          <p:cNvPr id="8" name="Grafik 7"/>
           <p:cNvPicPr>
             <a:picLocks noChangeAspect="1"/>
           </p:cNvPicPr>
           <p:nvPr/>
         </p:nvPicPr>
         <p:blipFill>
-          <a:blip r:embed="rId3">
-            <a:extLst>
-              <a:ext uri="{28A0092B-C50C-407E-A947-70E740481C1C}">
-                <a14:useLocalDpi xmlns:a14="http://schemas.microsoft.com/office/drawing/2010/main" val="0"/>
-              </a:ext>
-            </a:extLst>
-          </a:blip>
+          <a:blip r:embed="rId3"/>
           <a:stretch>
             <a:fillRect/>
           </a:stretch>
         </p:blipFill>
         <p:spPr>
           <a:xfrm>
-            <a:off x="3280549" y="1690687"/>
-            <a:ext cx="5215751" cy="4486275"/>
+            <a:off x="10393611" y="5236502"/>
+            <a:ext cx="1728144" cy="1538099"/>
           </a:xfrm>
           <a:prstGeom prst="rect">
             <a:avLst/>
@@ -9173,34 +9142,22 @@
       </p:sp>
       <p:pic>
         <p:nvPicPr>
-          <p:cNvPr id="5" name="Grafik 4">
-            <a:extLst>
-              <a:ext uri="{FF2B5EF4-FFF2-40B4-BE49-F238E27FC236}">
-                <a16:creationId xmlns:a16="http://schemas.microsoft.com/office/drawing/2014/main" id="{3804341A-ED30-4DA7-8FC6-093495D71EF5}"/>
-              </a:ext>
-            </a:extLst>
-          </p:cNvPr>
+          <p:cNvPr id="6" name="Grafik 5"/>
           <p:cNvPicPr>
             <a:picLocks noChangeAspect="1"/>
           </p:cNvPicPr>
           <p:nvPr/>
         </p:nvPicPr>
         <p:blipFill>
-          <a:blip r:embed="rId2">
-            <a:extLst>
-              <a:ext uri="{28A0092B-C50C-407E-A947-70E740481C1C}">
-                <a14:useLocalDpi xmlns:a14="http://schemas.microsoft.com/office/drawing/2010/main" val="0"/>
-              </a:ext>
-            </a:extLst>
-          </a:blip>
+          <a:blip r:embed="rId2"/>
           <a:stretch>
             <a:fillRect/>
           </a:stretch>
         </p:blipFill>
         <p:spPr>
           <a:xfrm>
-            <a:off x="8496300" y="4544408"/>
-            <a:ext cx="3600450" cy="2218342"/>
+            <a:off x="10393611" y="5236502"/>
+            <a:ext cx="1728144" cy="1538099"/>
           </a:xfrm>
           <a:prstGeom prst="rect">
             <a:avLst/>
@@ -10498,34 +10455,22 @@
       </p:pic>
       <p:pic>
         <p:nvPicPr>
-          <p:cNvPr id="5" name="Grafik 4">
-            <a:extLst>
-              <a:ext uri="{FF2B5EF4-FFF2-40B4-BE49-F238E27FC236}">
-                <a16:creationId xmlns:a16="http://schemas.microsoft.com/office/drawing/2014/main" id="{9F0A088D-3A95-445A-987F-882A44F7657A}"/>
-              </a:ext>
-            </a:extLst>
-          </p:cNvPr>
+          <p:cNvPr id="6" name="Grafik 5"/>
           <p:cNvPicPr>
             <a:picLocks noChangeAspect="1"/>
           </p:cNvPicPr>
           <p:nvPr/>
         </p:nvPicPr>
         <p:blipFill>
-          <a:blip r:embed="rId3">
-            <a:extLst>
-              <a:ext uri="{28A0092B-C50C-407E-A947-70E740481C1C}">
-                <a14:useLocalDpi xmlns:a14="http://schemas.microsoft.com/office/drawing/2010/main" val="0"/>
-              </a:ext>
-            </a:extLst>
-          </a:blip>
+          <a:blip r:embed="rId3"/>
           <a:stretch>
             <a:fillRect/>
           </a:stretch>
         </p:blipFill>
         <p:spPr>
           <a:xfrm>
-            <a:off x="8496300" y="4544408"/>
-            <a:ext cx="3600450" cy="2218342"/>
+            <a:off x="10393611" y="5236502"/>
+            <a:ext cx="1728144" cy="1538099"/>
           </a:xfrm>
           <a:prstGeom prst="rect">
             <a:avLst/>
@@ -10687,34 +10632,22 @@
       </p:sp>
       <p:pic>
         <p:nvPicPr>
-          <p:cNvPr id="5" name="Grafik 4">
-            <a:extLst>
-              <a:ext uri="{FF2B5EF4-FFF2-40B4-BE49-F238E27FC236}">
-                <a16:creationId xmlns:a16="http://schemas.microsoft.com/office/drawing/2014/main" id="{57E81771-EF59-4178-A5A0-E2A93AF4CAE1}"/>
-              </a:ext>
-            </a:extLst>
-          </p:cNvPr>
+          <p:cNvPr id="6" name="Grafik 5"/>
           <p:cNvPicPr>
             <a:picLocks noChangeAspect="1"/>
           </p:cNvPicPr>
           <p:nvPr/>
         </p:nvPicPr>
         <p:blipFill>
-          <a:blip r:embed="rId2">
-            <a:extLst>
-              <a:ext uri="{28A0092B-C50C-407E-A947-70E740481C1C}">
-                <a14:useLocalDpi xmlns:a14="http://schemas.microsoft.com/office/drawing/2010/main" val="0"/>
-              </a:ext>
-            </a:extLst>
-          </a:blip>
+          <a:blip r:embed="rId2"/>
           <a:stretch>
             <a:fillRect/>
           </a:stretch>
         </p:blipFill>
         <p:spPr>
           <a:xfrm>
-            <a:off x="8496300" y="4544408"/>
-            <a:ext cx="3600450" cy="2218342"/>
+            <a:off x="10393611" y="5236502"/>
+            <a:ext cx="1728144" cy="1538099"/>
           </a:xfrm>
           <a:prstGeom prst="rect">
             <a:avLst/>
